--- a/documentation/CWF_Roadmap.pptx
+++ b/documentation/CWF_Roadmap.pptx
@@ -151,6 +151,22 @@
       </a:defRPr>
     </a:lvl9pPr>
   </p:defaultTextStyle>
+  <p:extLst>
+    <p:ext uri="{EFAFB233-063F-42B5-8137-9DF3F51BA10A}">
+      <p15:sldGuideLst xmlns:p15="http://schemas.microsoft.com/office/powerpoint/2012/main">
+        <p15:guide id="1" orient="horz" pos="2160">
+          <p15:clr>
+            <a:srgbClr val="A4A3A4"/>
+          </p15:clr>
+        </p15:guide>
+        <p15:guide id="2" pos="2880">
+          <p15:clr>
+            <a:srgbClr val="A4A3A4"/>
+          </p15:clr>
+        </p15:guide>
+      </p15:sldGuideLst>
+    </p:ext>
+  </p:extLst>
 </p:presentation>
 </file>
 
@@ -265,7 +281,7 @@
               <a:pPr>
                 <a:defRPr/>
               </a:pPr>
-              <a:t>12/18/13</a:t>
+              <a:t>8/12/16</a:t>
             </a:fld>
             <a:endParaRPr lang="en-US"/>
           </a:p>
@@ -630,15 +646,15 @@
             <a:tailEnd/>
           </a:ln>
           <a:extLst>
-            <a:ext uri="{909E8E84-426E-40dd-AFC4-6F175D3DCCD1}">
-              <a14:hiddenFill xmlns:a14="http://schemas.microsoft.com/office/drawing/2010/main">
-                <a:solidFill>
-                  <a:srgbClr val="FFFFFF"/>
-                </a:solidFill>
-              </a14:hiddenFill>
-            </a:ext>
             <a:ext uri="{FAA26D3D-D897-4be2-8F04-BA451C77F1D7}">
               <ma14:placeholderFlag xmlns:ma14="http://schemas.microsoft.com/office/mac/drawingml/2011/main" val="1"/>
+            </a:ext>
+            <a:ext uri="{909E8E84-426E-40dd-AFC4-6F175D3DCCD1}">
+              <a14:hiddenFill xmlns:a14="http://schemas.microsoft.com/office/drawing/2010/main" xmlns="">
+                <a:solidFill>
+                  <a:srgbClr val="FFFFFF"/>
+                </a:solidFill>
+              </a14:hiddenFill>
             </a:ext>
           </a:extLst>
         </p:spPr>
@@ -657,14 +673,14 @@
           <a:noFill/>
           <a:extLst>
             <a:ext uri="{909E8E84-426E-40dd-AFC4-6F175D3DCCD1}">
-              <a14:hiddenFill xmlns:a14="http://schemas.microsoft.com/office/drawing/2010/main">
+              <a14:hiddenFill xmlns:a14="http://schemas.microsoft.com/office/drawing/2010/main" xmlns="">
                 <a:solidFill>
                   <a:srgbClr val="FFFFFF"/>
                 </a:solidFill>
               </a14:hiddenFill>
             </a:ext>
             <a:ext uri="{91240B29-F687-4f45-9708-019B960494DF}">
-              <a14:hiddenLine xmlns:a14="http://schemas.microsoft.com/office/drawing/2010/main" w="9525">
+              <a14:hiddenLine xmlns:a14="http://schemas.microsoft.com/office/drawing/2010/main" xmlns="" w="9525">
                 <a:solidFill>
                   <a:srgbClr val="000000"/>
                 </a:solidFill>
@@ -711,14 +727,14 @@
           <a:noFill/>
           <a:extLst>
             <a:ext uri="{909E8E84-426E-40dd-AFC4-6F175D3DCCD1}">
-              <a14:hiddenFill xmlns:a14="http://schemas.microsoft.com/office/drawing/2010/main">
+              <a14:hiddenFill xmlns:a14="http://schemas.microsoft.com/office/drawing/2010/main" xmlns="">
                 <a:solidFill>
                   <a:srgbClr val="FFFFFF"/>
                 </a:solidFill>
               </a14:hiddenFill>
             </a:ext>
             <a:ext uri="{91240B29-F687-4f45-9708-019B960494DF}">
-              <a14:hiddenLine xmlns:a14="http://schemas.microsoft.com/office/drawing/2010/main" w="9525">
+              <a14:hiddenLine xmlns:a14="http://schemas.microsoft.com/office/drawing/2010/main" xmlns="" w="9525">
                 <a:solidFill>
                   <a:srgbClr val="000000"/>
                 </a:solidFill>
@@ -869,6 +885,11 @@
         </p:txBody>
       </p:sp>
     </p:spTree>
+    <p:extLst>
+      <p:ext uri="{BB962C8B-B14F-4D97-AF65-F5344CB8AC3E}">
+        <p14:creationId xmlns:p14="http://schemas.microsoft.com/office/powerpoint/2010/main" val="1880504521"/>
+      </p:ext>
+    </p:extLst>
   </p:cSld>
   <p:clrMapOvr>
     <a:masterClrMapping/>
@@ -1008,15 +1029,15 @@
             <a:tailEnd/>
           </a:ln>
           <a:extLst>
-            <a:ext uri="{909E8E84-426E-40dd-AFC4-6F175D3DCCD1}">
-              <a14:hiddenFill xmlns:a14="http://schemas.microsoft.com/office/drawing/2010/main">
-                <a:solidFill>
-                  <a:srgbClr val="FFFFFF"/>
-                </a:solidFill>
-              </a14:hiddenFill>
-            </a:ext>
             <a:ext uri="{FAA26D3D-D897-4be2-8F04-BA451C77F1D7}">
               <ma14:placeholderFlag xmlns:ma14="http://schemas.microsoft.com/office/mac/drawingml/2011/main" val="1"/>
+            </a:ext>
+            <a:ext uri="{909E8E84-426E-40dd-AFC4-6F175D3DCCD1}">
+              <a14:hiddenFill xmlns:a14="http://schemas.microsoft.com/office/drawing/2010/main" xmlns="">
+                <a:solidFill>
+                  <a:srgbClr val="FFFFFF"/>
+                </a:solidFill>
+              </a14:hiddenFill>
             </a:ext>
           </a:extLst>
         </p:spPr>
@@ -1034,15 +1055,18 @@
         <p:spPr bwMode="auto">
           <a:noFill/>
           <a:extLst>
+            <a:ext uri="{FAA26D3D-D897-4be2-8F04-BA451C77F1D7}">
+              <ma14:placeholderFlag xmlns:ma14="http://schemas.microsoft.com/office/mac/drawingml/2011/main" val="1"/>
+            </a:ext>
             <a:ext uri="{909E8E84-426E-40dd-AFC4-6F175D3DCCD1}">
-              <a14:hiddenFill xmlns:a14="http://schemas.microsoft.com/office/drawing/2010/main">
+              <a14:hiddenFill xmlns:a14="http://schemas.microsoft.com/office/drawing/2010/main" xmlns="">
                 <a:solidFill>
                   <a:srgbClr val="FFFFFF"/>
                 </a:solidFill>
               </a14:hiddenFill>
             </a:ext>
             <a:ext uri="{91240B29-F687-4f45-9708-019B960494DF}">
-              <a14:hiddenLine xmlns:a14="http://schemas.microsoft.com/office/drawing/2010/main" w="9525">
+              <a14:hiddenLine xmlns:a14="http://schemas.microsoft.com/office/drawing/2010/main" xmlns="" w="9525">
                 <a:solidFill>
                   <a:srgbClr val="000000"/>
                 </a:solidFill>
@@ -1050,9 +1074,6 @@
                 <a:headEnd/>
                 <a:tailEnd/>
               </a14:hiddenLine>
-            </a:ext>
-            <a:ext uri="{FAA26D3D-D897-4be2-8F04-BA451C77F1D7}">
-              <ma14:placeholderFlag xmlns:ma14="http://schemas.microsoft.com/office/mac/drawingml/2011/main" val="1"/>
             </a:ext>
           </a:extLst>
         </p:spPr>
@@ -1084,14 +1105,14 @@
           <a:noFill/>
           <a:extLst>
             <a:ext uri="{909E8E84-426E-40dd-AFC4-6F175D3DCCD1}">
-              <a14:hiddenFill xmlns:a14="http://schemas.microsoft.com/office/drawing/2010/main">
+              <a14:hiddenFill xmlns:a14="http://schemas.microsoft.com/office/drawing/2010/main" xmlns="">
                 <a:solidFill>
                   <a:srgbClr val="FFFFFF"/>
                 </a:solidFill>
               </a14:hiddenFill>
             </a:ext>
             <a:ext uri="{91240B29-F687-4f45-9708-019B960494DF}">
-              <a14:hiddenLine xmlns:a14="http://schemas.microsoft.com/office/drawing/2010/main" w="9525">
+              <a14:hiddenLine xmlns:a14="http://schemas.microsoft.com/office/drawing/2010/main" xmlns="" w="9525">
                 <a:solidFill>
                   <a:srgbClr val="000000"/>
                 </a:solidFill>
@@ -1224,6 +1245,11 @@
         </p:txBody>
       </p:sp>
     </p:spTree>
+    <p:extLst>
+      <p:ext uri="{BB962C8B-B14F-4D97-AF65-F5344CB8AC3E}">
+        <p14:creationId xmlns:p14="http://schemas.microsoft.com/office/powerpoint/2010/main" val="1143691910"/>
+      </p:ext>
+    </p:extLst>
   </p:cSld>
   <p:clrMapOvr>
     <a:masterClrMapping/>
@@ -1269,15 +1295,15 @@
             <a:tailEnd/>
           </a:ln>
           <a:extLst>
-            <a:ext uri="{909E8E84-426E-40dd-AFC4-6F175D3DCCD1}">
-              <a14:hiddenFill xmlns:a14="http://schemas.microsoft.com/office/drawing/2010/main">
-                <a:solidFill>
-                  <a:srgbClr val="FFFFFF"/>
-                </a:solidFill>
-              </a14:hiddenFill>
-            </a:ext>
             <a:ext uri="{FAA26D3D-D897-4be2-8F04-BA451C77F1D7}">
               <ma14:placeholderFlag xmlns:ma14="http://schemas.microsoft.com/office/mac/drawingml/2011/main" val="1"/>
+            </a:ext>
+            <a:ext uri="{909E8E84-426E-40dd-AFC4-6F175D3DCCD1}">
+              <a14:hiddenFill xmlns:a14="http://schemas.microsoft.com/office/drawing/2010/main" xmlns="">
+                <a:solidFill>
+                  <a:srgbClr val="FFFFFF"/>
+                </a:solidFill>
+              </a14:hiddenFill>
             </a:ext>
           </a:extLst>
         </p:spPr>
@@ -1295,15 +1321,18 @@
         <p:spPr bwMode="auto">
           <a:noFill/>
           <a:extLst>
+            <a:ext uri="{FAA26D3D-D897-4be2-8F04-BA451C77F1D7}">
+              <ma14:placeholderFlag xmlns:ma14="http://schemas.microsoft.com/office/mac/drawingml/2011/main" val="1"/>
+            </a:ext>
             <a:ext uri="{909E8E84-426E-40dd-AFC4-6F175D3DCCD1}">
-              <a14:hiddenFill xmlns:a14="http://schemas.microsoft.com/office/drawing/2010/main">
+              <a14:hiddenFill xmlns:a14="http://schemas.microsoft.com/office/drawing/2010/main" xmlns="">
                 <a:solidFill>
                   <a:srgbClr val="FFFFFF"/>
                 </a:solidFill>
               </a14:hiddenFill>
             </a:ext>
             <a:ext uri="{91240B29-F687-4f45-9708-019B960494DF}">
-              <a14:hiddenLine xmlns:a14="http://schemas.microsoft.com/office/drawing/2010/main" w="9525">
+              <a14:hiddenLine xmlns:a14="http://schemas.microsoft.com/office/drawing/2010/main" xmlns="" w="9525">
                 <a:solidFill>
                   <a:srgbClr val="000000"/>
                 </a:solidFill>
@@ -1311,9 +1340,6 @@
                 <a:headEnd/>
                 <a:tailEnd/>
               </a14:hiddenLine>
-            </a:ext>
-            <a:ext uri="{FAA26D3D-D897-4be2-8F04-BA451C77F1D7}">
-              <ma14:placeholderFlag xmlns:ma14="http://schemas.microsoft.com/office/mac/drawingml/2011/main" val="1"/>
             </a:ext>
           </a:extLst>
         </p:spPr>
@@ -1350,14 +1376,14 @@
           <a:noFill/>
           <a:extLst>
             <a:ext uri="{909E8E84-426E-40dd-AFC4-6F175D3DCCD1}">
-              <a14:hiddenFill xmlns:a14="http://schemas.microsoft.com/office/drawing/2010/main">
+              <a14:hiddenFill xmlns:a14="http://schemas.microsoft.com/office/drawing/2010/main" xmlns="">
                 <a:solidFill>
                   <a:srgbClr val="FFFFFF"/>
                 </a:solidFill>
               </a14:hiddenFill>
             </a:ext>
             <a:ext uri="{91240B29-F687-4f45-9708-019B960494DF}">
-              <a14:hiddenLine xmlns:a14="http://schemas.microsoft.com/office/drawing/2010/main" w="9525">
+              <a14:hiddenLine xmlns:a14="http://schemas.microsoft.com/office/drawing/2010/main" xmlns="" w="9525">
                 <a:solidFill>
                   <a:srgbClr val="000000"/>
                 </a:solidFill>
@@ -1490,6 +1516,11 @@
         </p:txBody>
       </p:sp>
     </p:spTree>
+    <p:extLst>
+      <p:ext uri="{BB962C8B-B14F-4D97-AF65-F5344CB8AC3E}">
+        <p14:creationId xmlns:p14="http://schemas.microsoft.com/office/powerpoint/2010/main" val="2051290720"/>
+      </p:ext>
+    </p:extLst>
   </p:cSld>
   <p:clrMapOvr>
     <a:masterClrMapping/>
@@ -1673,6 +1704,11 @@
         </p:txBody>
       </p:sp>
     </p:spTree>
+    <p:extLst>
+      <p:ext uri="{BB962C8B-B14F-4D97-AF65-F5344CB8AC3E}">
+        <p14:creationId xmlns:p14="http://schemas.microsoft.com/office/powerpoint/2010/main" val="1122651548"/>
+      </p:ext>
+    </p:extLst>
   </p:cSld>
   <p:clrMapOvr>
     <a:masterClrMapping/>
@@ -1762,6 +1798,11 @@
         </p:txBody>
       </p:sp>
     </p:spTree>
+    <p:extLst>
+      <p:ext uri="{BB962C8B-B14F-4D97-AF65-F5344CB8AC3E}">
+        <p14:creationId xmlns:p14="http://schemas.microsoft.com/office/powerpoint/2010/main" val="613244694"/>
+      </p:ext>
+    </p:extLst>
   </p:cSld>
   <p:clrMapOvr>
     <a:masterClrMapping/>
@@ -1851,6 +1892,11 @@
         </p:txBody>
       </p:sp>
     </p:spTree>
+    <p:extLst>
+      <p:ext uri="{BB962C8B-B14F-4D97-AF65-F5344CB8AC3E}">
+        <p14:creationId xmlns:p14="http://schemas.microsoft.com/office/powerpoint/2010/main" val="1029550105"/>
+      </p:ext>
+    </p:extLst>
   </p:cSld>
   <p:clrMapOvr>
     <a:masterClrMapping/>
@@ -1940,6 +1986,11 @@
         </p:txBody>
       </p:sp>
     </p:spTree>
+    <p:extLst>
+      <p:ext uri="{BB962C8B-B14F-4D97-AF65-F5344CB8AC3E}">
+        <p14:creationId xmlns:p14="http://schemas.microsoft.com/office/powerpoint/2010/main" val="1372870856"/>
+      </p:ext>
+    </p:extLst>
   </p:cSld>
   <p:clrMapOvr>
     <a:masterClrMapping/>
@@ -2580,7 +2631,7 @@
               <a:pPr>
                 <a:defRPr/>
               </a:pPr>
-              <a:t>12/18/13</a:t>
+              <a:t>8/12/16</a:t>
             </a:fld>
             <a:endParaRPr lang="en-US"/>
           </a:p>
@@ -2777,7 +2828,7 @@
               <a:pPr>
                 <a:defRPr/>
               </a:pPr>
-              <a:t>12/18/13</a:t>
+              <a:t>8/12/16</a:t>
             </a:fld>
             <a:endParaRPr lang="en-US"/>
           </a:p>
@@ -2984,7 +3035,7 @@
               <a:pPr>
                 <a:defRPr/>
               </a:pPr>
-              <a:t>12/18/13</a:t>
+              <a:t>8/12/16</a:t>
             </a:fld>
             <a:endParaRPr lang="en-US"/>
           </a:p>
@@ -3181,7 +3232,7 @@
               <a:pPr>
                 <a:defRPr/>
               </a:pPr>
-              <a:t>12/18/13</a:t>
+              <a:t>8/12/16</a:t>
             </a:fld>
             <a:endParaRPr lang="en-US"/>
           </a:p>
@@ -3454,7 +3505,7 @@
               <a:pPr>
                 <a:defRPr/>
               </a:pPr>
-              <a:t>12/18/13</a:t>
+              <a:t>8/12/16</a:t>
             </a:fld>
             <a:endParaRPr lang="en-US"/>
           </a:p>
@@ -3769,7 +3820,7 @@
               <a:pPr>
                 <a:defRPr/>
               </a:pPr>
-              <a:t>12/18/13</a:t>
+              <a:t>8/12/16</a:t>
             </a:fld>
             <a:endParaRPr lang="en-US"/>
           </a:p>
@@ -4218,7 +4269,7 @@
               <a:pPr>
                 <a:defRPr/>
               </a:pPr>
-              <a:t>12/18/13</a:t>
+              <a:t>8/12/16</a:t>
             </a:fld>
             <a:endParaRPr lang="en-US"/>
           </a:p>
@@ -4363,7 +4414,7 @@
               <a:pPr>
                 <a:defRPr/>
               </a:pPr>
-              <a:t>12/18/13</a:t>
+              <a:t>8/12/16</a:t>
             </a:fld>
             <a:endParaRPr lang="en-US"/>
           </a:p>
@@ -4485,7 +4536,7 @@
               <a:pPr>
                 <a:defRPr/>
               </a:pPr>
-              <a:t>12/18/13</a:t>
+              <a:t>8/12/16</a:t>
             </a:fld>
             <a:endParaRPr lang="en-US"/>
           </a:p>
@@ -4789,7 +4840,7 @@
               <a:pPr>
                 <a:defRPr/>
               </a:pPr>
-              <a:t>12/18/13</a:t>
+              <a:t>8/12/16</a:t>
             </a:fld>
             <a:endParaRPr lang="en-US"/>
           </a:p>
@@ -5072,7 +5123,7 @@
               <a:pPr>
                 <a:defRPr/>
               </a:pPr>
-              <a:t>12/18/13</a:t>
+              <a:t>8/12/16</a:t>
             </a:fld>
             <a:endParaRPr lang="en-US"/>
           </a:p>
@@ -5198,15 +5249,18 @@
             <a:noFill/>
           </a:ln>
           <a:extLst>
+            <a:ext uri="{FAA26D3D-D897-4be2-8F04-BA451C77F1D7}">
+              <ma14:placeholderFlag xmlns:ma14="http://schemas.microsoft.com/office/mac/drawingml/2011/main" val="1"/>
+            </a:ext>
             <a:ext uri="{909E8E84-426E-40dd-AFC4-6F175D3DCCD1}">
-              <a14:hiddenFill xmlns:a14="http://schemas.microsoft.com/office/drawing/2010/main">
+              <a14:hiddenFill xmlns:a14="http://schemas.microsoft.com/office/drawing/2010/main" xmlns="">
                 <a:solidFill>
                   <a:srgbClr val="FFFFFF"/>
                 </a:solidFill>
               </a14:hiddenFill>
             </a:ext>
             <a:ext uri="{91240B29-F687-4f45-9708-019B960494DF}">
-              <a14:hiddenLine xmlns:a14="http://schemas.microsoft.com/office/drawing/2010/main" w="9525">
+              <a14:hiddenLine xmlns:a14="http://schemas.microsoft.com/office/drawing/2010/main" xmlns="" w="9525">
                 <a:solidFill>
                   <a:srgbClr val="000000"/>
                 </a:solidFill>
@@ -5214,9 +5268,6 @@
                 <a:headEnd/>
                 <a:tailEnd/>
               </a14:hiddenLine>
-            </a:ext>
-            <a:ext uri="{FAA26D3D-D897-4be2-8F04-BA451C77F1D7}">
-              <ma14:placeholderFlag xmlns:ma14="http://schemas.microsoft.com/office/mac/drawingml/2011/main" val="1"/>
             </a:ext>
           </a:extLst>
         </p:spPr>
@@ -5259,15 +5310,18 @@
             <a:noFill/>
           </a:ln>
           <a:extLst>
+            <a:ext uri="{FAA26D3D-D897-4be2-8F04-BA451C77F1D7}">
+              <ma14:placeholderFlag xmlns:ma14="http://schemas.microsoft.com/office/mac/drawingml/2011/main" val="1"/>
+            </a:ext>
             <a:ext uri="{909E8E84-426E-40dd-AFC4-6F175D3DCCD1}">
-              <a14:hiddenFill xmlns:a14="http://schemas.microsoft.com/office/drawing/2010/main">
+              <a14:hiddenFill xmlns:a14="http://schemas.microsoft.com/office/drawing/2010/main" xmlns="">
                 <a:solidFill>
                   <a:srgbClr val="FFFFFF"/>
                 </a:solidFill>
               </a14:hiddenFill>
             </a:ext>
             <a:ext uri="{91240B29-F687-4f45-9708-019B960494DF}">
-              <a14:hiddenLine xmlns:a14="http://schemas.microsoft.com/office/drawing/2010/main" w="9525">
+              <a14:hiddenLine xmlns:a14="http://schemas.microsoft.com/office/drawing/2010/main" xmlns="" w="9525">
                 <a:solidFill>
                   <a:srgbClr val="000000"/>
                 </a:solidFill>
@@ -5275,9 +5329,6 @@
                 <a:headEnd/>
                 <a:tailEnd/>
               </a14:hiddenLine>
-            </a:ext>
-            <a:ext uri="{FAA26D3D-D897-4be2-8F04-BA451C77F1D7}">
-              <ma14:placeholderFlag xmlns:ma14="http://schemas.microsoft.com/office/mac/drawingml/2011/main" val="1"/>
             </a:ext>
           </a:extLst>
         </p:spPr>
@@ -5375,7 +5426,7 @@
               <a:pPr>
                 <a:defRPr/>
               </a:pPr>
-              <a:t>12/18/13</a:t>
+              <a:t>8/12/16</a:t>
             </a:fld>
             <a:endParaRPr lang="en-US"/>
           </a:p>
@@ -5952,14 +6003,14 @@
           </a:ln>
           <a:extLst>
             <a:ext uri="{909E8E84-426E-40dd-AFC4-6F175D3DCCD1}">
-              <a14:hiddenFill xmlns:a14="http://schemas.microsoft.com/office/drawing/2010/main">
+              <a14:hiddenFill xmlns:a14="http://schemas.microsoft.com/office/drawing/2010/main" xmlns="">
                 <a:solidFill>
                   <a:srgbClr val="FFFFFF"/>
                 </a:solidFill>
               </a14:hiddenFill>
             </a:ext>
             <a:ext uri="{91240B29-F687-4f45-9708-019B960494DF}">
-              <a14:hiddenLine xmlns:a14="http://schemas.microsoft.com/office/drawing/2010/main" w="9525">
+              <a14:hiddenLine xmlns:a14="http://schemas.microsoft.com/office/drawing/2010/main" xmlns="" w="9525">
                 <a:solidFill>
                   <a:srgbClr val="000000"/>
                 </a:solidFill>
@@ -6062,14 +6113,14 @@
           </a:ln>
           <a:extLst>
             <a:ext uri="{909E8E84-426E-40dd-AFC4-6F175D3DCCD1}">
-              <a14:hiddenFill xmlns:a14="http://schemas.microsoft.com/office/drawing/2010/main">
+              <a14:hiddenFill xmlns:a14="http://schemas.microsoft.com/office/drawing/2010/main" xmlns="">
                 <a:solidFill>
                   <a:srgbClr val="FFFFFF"/>
                 </a:solidFill>
               </a14:hiddenFill>
             </a:ext>
             <a:ext uri="{91240B29-F687-4f45-9708-019B960494DF}">
-              <a14:hiddenLine xmlns:a14="http://schemas.microsoft.com/office/drawing/2010/main" w="9525">
+              <a14:hiddenLine xmlns:a14="http://schemas.microsoft.com/office/drawing/2010/main" xmlns="" w="9525">
                 <a:solidFill>
                   <a:srgbClr val="000000"/>
                 </a:solidFill>
@@ -6102,15 +6153,18 @@
             <a:noFill/>
           </a:ln>
           <a:extLst>
+            <a:ext uri="{FAA26D3D-D897-4be2-8F04-BA451C77F1D7}">
+              <ma14:placeholderFlag xmlns:ma14="http://schemas.microsoft.com/office/mac/drawingml/2011/main" val="1"/>
+            </a:ext>
             <a:ext uri="{909E8E84-426E-40dd-AFC4-6F175D3DCCD1}">
-              <a14:hiddenFill xmlns:a14="http://schemas.microsoft.com/office/drawing/2010/main">
+              <a14:hiddenFill xmlns:a14="http://schemas.microsoft.com/office/drawing/2010/main" xmlns="">
                 <a:solidFill>
                   <a:srgbClr val="FFFFFF"/>
                 </a:solidFill>
               </a14:hiddenFill>
             </a:ext>
             <a:ext uri="{91240B29-F687-4f45-9708-019B960494DF}">
-              <a14:hiddenLine xmlns:a14="http://schemas.microsoft.com/office/drawing/2010/main" w="9525">
+              <a14:hiddenLine xmlns:a14="http://schemas.microsoft.com/office/drawing/2010/main" xmlns="" w="9525">
                 <a:solidFill>
                   <a:srgbClr val="000000"/>
                 </a:solidFill>
@@ -6118,9 +6172,6 @@
                 <a:headEnd/>
                 <a:tailEnd/>
               </a14:hiddenLine>
-            </a:ext>
-            <a:ext uri="{FAA26D3D-D897-4be2-8F04-BA451C77F1D7}">
-              <ma14:placeholderFlag xmlns:ma14="http://schemas.microsoft.com/office/mac/drawingml/2011/main" val="1"/>
             </a:ext>
           </a:extLst>
         </p:spPr>
@@ -6332,7 +6383,7 @@
   <p:timing>
     <p:tnLst>
       <p:par>
-        <p:cTn xmlns:p14="http://schemas.microsoft.com/office/powerpoint/2010/main" id="1" dur="indefinite" restart="never" nodeType="tmRoot"/>
+        <p:cTn id="1" dur="indefinite" restart="never" nodeType="tmRoot"/>
       </p:par>
     </p:tnLst>
   </p:timing>
@@ -6477,7 +6528,7 @@
   <p:timing>
     <p:tnLst>
       <p:par>
-        <p:cTn xmlns:p14="http://schemas.microsoft.com/office/powerpoint/2010/main" id="1" dur="indefinite" restart="never" nodeType="tmRoot"/>
+        <p:cTn id="1" dur="indefinite" restart="never" nodeType="tmRoot"/>
       </p:par>
     </p:tnLst>
   </p:timing>
@@ -6580,7 +6631,6 @@
               <a:rPr lang="en-US" sz="2800" dirty="0" smtClean="0"/>
               <a:t>JavaHelp</a:t>
             </a:r>
-            <a:endParaRPr lang="en-US" sz="2800" dirty="0" smtClean="0"/>
           </a:p>
           <a:p>
             <a:r>
@@ -6641,7 +6691,7 @@
   <p:timing>
     <p:tnLst>
       <p:par>
-        <p:cTn xmlns:p14="http://schemas.microsoft.com/office/powerpoint/2010/main" id="1" dur="indefinite" restart="never" nodeType="tmRoot"/>
+        <p:cTn id="1" dur="indefinite" restart="never" nodeType="tmRoot"/>
       </p:par>
     </p:tnLst>
   </p:timing>
@@ -9153,11 +9203,11 @@
   <p:clrMapOvr>
     <a:masterClrMapping/>
   </p:clrMapOvr>
-  <p:transition xmlns:p14="http://schemas.microsoft.com/office/powerpoint/2010/main" spd="slow"/>
+  <p:transition spd="slow"/>
   <p:timing>
     <p:tnLst>
       <p:par>
-        <p:cTn xmlns:p14="http://schemas.microsoft.com/office/powerpoint/2010/main" id="1" dur="indefinite" restart="never" nodeType="tmRoot"/>
+        <p:cTn id="1" dur="indefinite" restart="never" nodeType="tmRoot"/>
       </p:par>
     </p:tnLst>
   </p:timing>
@@ -10161,21 +10211,8 @@
                 <a:ea typeface="+mn-ea"/>
                 <a:cs typeface="Arial"/>
               </a:rPr>
-              <a:t> </a:t>
-            </a:r>
-            <a:r>
-              <a:rPr lang="en-US" sz="1100" dirty="0" smtClean="0">
-                <a:latin typeface="Arial"/>
-                <a:ea typeface="+mn-ea"/>
-                <a:cs typeface="Arial"/>
-              </a:rPr>
-              <a:t>study recruitment</a:t>
-            </a:r>
-            <a:endParaRPr lang="en-US" sz="1100" dirty="0" smtClean="0">
-              <a:latin typeface="Arial"/>
-              <a:ea typeface="+mn-ea"/>
-              <a:cs typeface="Arial"/>
-            </a:endParaRPr>
+              <a:t> study recruitment</a:t>
+            </a:r>
           </a:p>
           <a:p>
             <a:pPr lvl="1" eaLnBrk="1" fontAlgn="auto" hangingPunct="1">
@@ -10356,11 +10393,11 @@
   <p:clrMapOvr>
     <a:masterClrMapping/>
   </p:clrMapOvr>
-  <p:transition xmlns:p14="http://schemas.microsoft.com/office/powerpoint/2010/main" spd="slow"/>
+  <p:transition spd="slow"/>
   <p:timing>
     <p:tnLst>
       <p:par>
-        <p:cTn xmlns:p14="http://schemas.microsoft.com/office/powerpoint/2010/main" id="1" dur="indefinite" restart="never" nodeType="tmRoot">
+        <p:cTn id="1" dur="indefinite" restart="never" nodeType="tmRoot">
           <p:childTnLst>
             <p:seq concurrent="1" nextAc="seek">
               <p:cTn id="2" dur="indefinite" nodeType="mainSeq">
@@ -12444,11 +12481,7 @@
             <a:pPr lvl="1"/>
             <a:r>
               <a:rPr lang="en-US" sz="2000" dirty="0" smtClean="0"/>
-              <a:t>SMART platform </a:t>
-            </a:r>
-            <a:r>
-              <a:rPr lang="en-US" sz="2000" dirty="0" smtClean="0"/>
-              <a:t>support</a:t>
+              <a:t>SMART platform support</a:t>
             </a:r>
           </a:p>
           <a:p>
@@ -12457,7 +12490,6 @@
               <a:rPr lang="en-US" sz="2000" dirty="0" smtClean="0"/>
               <a:t>Clinical abstraction layer</a:t>
             </a:r>
-            <a:endParaRPr lang="en-US" sz="2000" dirty="0" smtClean="0"/>
           </a:p>
           <a:p>
             <a:pPr lvl="1"/>
@@ -12500,22 +12532,14 @@
           <a:p>
             <a:r>
               <a:rPr lang="en-US" sz="2800" dirty="0" smtClean="0"/>
-              <a:t>Open </a:t>
-            </a:r>
-            <a:r>
-              <a:rPr lang="en-US" sz="2800" dirty="0" smtClean="0"/>
-              <a:t>source</a:t>
+              <a:t>Open source</a:t>
             </a:r>
           </a:p>
           <a:p>
             <a:pPr lvl="1"/>
             <a:r>
               <a:rPr lang="en-US" sz="2000" dirty="0" smtClean="0"/>
-              <a:t>Community </a:t>
-            </a:r>
-            <a:r>
-              <a:rPr lang="en-US" sz="2000" dirty="0" smtClean="0"/>
-              <a:t>building</a:t>
+              <a:t>Community building</a:t>
             </a:r>
           </a:p>
           <a:p>
@@ -12548,7 +12572,7 @@
   <p:timing>
     <p:tnLst>
       <p:par>
-        <p:cTn xmlns:p14="http://schemas.microsoft.com/office/powerpoint/2010/main" id="1" dur="indefinite" restart="never" nodeType="tmRoot"/>
+        <p:cTn id="1" dur="indefinite" restart="never" nodeType="tmRoot"/>
       </p:par>
     </p:tnLst>
   </p:timing>
@@ -12749,7 +12773,7 @@
   <p:timing>
     <p:tnLst>
       <p:par>
-        <p:cTn xmlns:p14="http://schemas.microsoft.com/office/powerpoint/2010/main" id="1" dur="indefinite" restart="never" nodeType="tmRoot"/>
+        <p:cTn id="1" dur="indefinite" restart="never" nodeType="tmRoot"/>
       </p:par>
     </p:tnLst>
   </p:timing>
@@ -12796,14 +12820,14 @@
           <a:effectLst/>
           <a:extLst>
             <a:ext uri="{909E8E84-426E-40dd-AFC4-6F175D3DCCD1}">
-              <a14:hiddenFill xmlns:a14="http://schemas.microsoft.com/office/drawing/2010/main">
+              <a14:hiddenFill xmlns:a14="http://schemas.microsoft.com/office/drawing/2010/main" xmlns="">
                 <a:solidFill>
                   <a:schemeClr val="accent1"/>
                 </a:solidFill>
               </a14:hiddenFill>
             </a:ext>
             <a:ext uri="{91240B29-F687-4f45-9708-019B960494DF}">
-              <a14:hiddenLine xmlns:a14="http://schemas.microsoft.com/office/drawing/2010/main" w="9525">
+              <a14:hiddenLine xmlns:a14="http://schemas.microsoft.com/office/drawing/2010/main" xmlns="" w="9525">
                 <a:solidFill>
                   <a:schemeClr val="tx1"/>
                 </a:solidFill>
@@ -12813,7 +12837,7 @@
               </a14:hiddenLine>
             </a:ext>
             <a:ext uri="{AF507438-7753-43e0-B8FC-AC1667EBCBE1}">
-              <a14:hiddenEffects xmlns:a14="http://schemas.microsoft.com/office/drawing/2010/main">
+              <a14:hiddenEffects xmlns:a14="http://schemas.microsoft.com/office/drawing/2010/main" xmlns="">
                 <a:effectLst>
                   <a:outerShdw blurRad="63500" dist="38099" dir="2700000" algn="ctr" rotWithShape="0">
                     <a:schemeClr val="bg2">
@@ -12867,14 +12891,14 @@
           <a:effectLst/>
           <a:extLst>
             <a:ext uri="{909E8E84-426E-40dd-AFC4-6F175D3DCCD1}">
-              <a14:hiddenFill xmlns:a14="http://schemas.microsoft.com/office/drawing/2010/main">
+              <a14:hiddenFill xmlns:a14="http://schemas.microsoft.com/office/drawing/2010/main" xmlns="">
                 <a:solidFill>
                   <a:schemeClr val="accent1"/>
                 </a:solidFill>
               </a14:hiddenFill>
             </a:ext>
             <a:ext uri="{91240B29-F687-4f45-9708-019B960494DF}">
-              <a14:hiddenLine xmlns:a14="http://schemas.microsoft.com/office/drawing/2010/main" w="9525">
+              <a14:hiddenLine xmlns:a14="http://schemas.microsoft.com/office/drawing/2010/main" xmlns="" w="9525">
                 <a:solidFill>
                   <a:schemeClr val="tx1"/>
                 </a:solidFill>
@@ -12884,7 +12908,7 @@
               </a14:hiddenLine>
             </a:ext>
             <a:ext uri="{AF507438-7753-43e0-B8FC-AC1667EBCBE1}">
-              <a14:hiddenEffects xmlns:a14="http://schemas.microsoft.com/office/drawing/2010/main">
+              <a14:hiddenEffects xmlns:a14="http://schemas.microsoft.com/office/drawing/2010/main" xmlns="">
                 <a:effectLst>
                   <a:outerShdw blurRad="63500" dist="38099" dir="2700000" algn="ctr" rotWithShape="0">
                     <a:schemeClr val="bg2">
@@ -13132,7 +13156,7 @@
   <p:timing>
     <p:tnLst>
       <p:par>
-        <p:cTn xmlns:p14="http://schemas.microsoft.com/office/powerpoint/2010/main" id="1" dur="indefinite" restart="never" nodeType="tmRoot"/>
+        <p:cTn id="1" dur="indefinite" restart="never" nodeType="tmRoot"/>
       </p:par>
     </p:tnLst>
   </p:timing>
@@ -13179,14 +13203,14 @@
           <a:effectLst/>
           <a:extLst>
             <a:ext uri="{909E8E84-426E-40dd-AFC4-6F175D3DCCD1}">
-              <a14:hiddenFill xmlns:a14="http://schemas.microsoft.com/office/drawing/2010/main">
+              <a14:hiddenFill xmlns:a14="http://schemas.microsoft.com/office/drawing/2010/main" xmlns="">
                 <a:solidFill>
                   <a:schemeClr val="accent1"/>
                 </a:solidFill>
               </a14:hiddenFill>
             </a:ext>
             <a:ext uri="{91240B29-F687-4f45-9708-019B960494DF}">
-              <a14:hiddenLine xmlns:a14="http://schemas.microsoft.com/office/drawing/2010/main" w="9525">
+              <a14:hiddenLine xmlns:a14="http://schemas.microsoft.com/office/drawing/2010/main" xmlns="" w="9525">
                 <a:solidFill>
                   <a:schemeClr val="tx1"/>
                 </a:solidFill>
@@ -13196,7 +13220,7 @@
               </a14:hiddenLine>
             </a:ext>
             <a:ext uri="{AF507438-7753-43e0-B8FC-AC1667EBCBE1}">
-              <a14:hiddenEffects xmlns:a14="http://schemas.microsoft.com/office/drawing/2010/main">
+              <a14:hiddenEffects xmlns:a14="http://schemas.microsoft.com/office/drawing/2010/main" xmlns="">
                 <a:effectLst>
                   <a:outerShdw blurRad="63500" dist="38099" dir="2700000" algn="ctr" rotWithShape="0">
                     <a:schemeClr val="bg2">
@@ -13257,14 +13281,14 @@
           <a:effectLst/>
           <a:extLst>
             <a:ext uri="{909E8E84-426E-40dd-AFC4-6F175D3DCCD1}">
-              <a14:hiddenFill xmlns:a14="http://schemas.microsoft.com/office/drawing/2010/main">
+              <a14:hiddenFill xmlns:a14="http://schemas.microsoft.com/office/drawing/2010/main" xmlns="">
                 <a:solidFill>
                   <a:schemeClr val="accent1"/>
                 </a:solidFill>
               </a14:hiddenFill>
             </a:ext>
             <a:ext uri="{91240B29-F687-4f45-9708-019B960494DF}">
-              <a14:hiddenLine xmlns:a14="http://schemas.microsoft.com/office/drawing/2010/main" w="9525">
+              <a14:hiddenLine xmlns:a14="http://schemas.microsoft.com/office/drawing/2010/main" xmlns="" w="9525">
                 <a:solidFill>
                   <a:schemeClr val="tx1"/>
                 </a:solidFill>
@@ -13274,7 +13298,7 @@
               </a14:hiddenLine>
             </a:ext>
             <a:ext uri="{AF507438-7753-43e0-B8FC-AC1667EBCBE1}">
-              <a14:hiddenEffects xmlns:a14="http://schemas.microsoft.com/office/drawing/2010/main">
+              <a14:hiddenEffects xmlns:a14="http://schemas.microsoft.com/office/drawing/2010/main" xmlns="">
                 <a:effectLst>
                   <a:outerShdw blurRad="63500" dist="38099" dir="2700000" algn="ctr" rotWithShape="0">
                     <a:schemeClr val="bg2">
@@ -13513,7 +13537,7 @@
   <p:timing>
     <p:tnLst>
       <p:par>
-        <p:cTn xmlns:p14="http://schemas.microsoft.com/office/powerpoint/2010/main" id="1" dur="indefinite" restart="never" nodeType="tmRoot"/>
+        <p:cTn id="1" dur="indefinite" restart="never" nodeType="tmRoot"/>
       </p:par>
     </p:tnLst>
   </p:timing>
@@ -13560,14 +13584,14 @@
           <a:effectLst/>
           <a:extLst>
             <a:ext uri="{909E8E84-426E-40dd-AFC4-6F175D3DCCD1}">
-              <a14:hiddenFill xmlns:a14="http://schemas.microsoft.com/office/drawing/2010/main">
+              <a14:hiddenFill xmlns:a14="http://schemas.microsoft.com/office/drawing/2010/main" xmlns="">
                 <a:solidFill>
                   <a:schemeClr val="accent1"/>
                 </a:solidFill>
               </a14:hiddenFill>
             </a:ext>
             <a:ext uri="{91240B29-F687-4f45-9708-019B960494DF}">
-              <a14:hiddenLine xmlns:a14="http://schemas.microsoft.com/office/drawing/2010/main" w="9525">
+              <a14:hiddenLine xmlns:a14="http://schemas.microsoft.com/office/drawing/2010/main" xmlns="" w="9525">
                 <a:solidFill>
                   <a:schemeClr val="tx1"/>
                 </a:solidFill>
@@ -13577,7 +13601,7 @@
               </a14:hiddenLine>
             </a:ext>
             <a:ext uri="{AF507438-7753-43e0-B8FC-AC1667EBCBE1}">
-              <a14:hiddenEffects xmlns:a14="http://schemas.microsoft.com/office/drawing/2010/main">
+              <a14:hiddenEffects xmlns:a14="http://schemas.microsoft.com/office/drawing/2010/main" xmlns="">
                 <a:effectLst>
                   <a:outerShdw blurRad="63500" dist="38099" dir="2700000" algn="ctr" rotWithShape="0">
                     <a:schemeClr val="bg2">
@@ -13634,14 +13658,14 @@
           <a:effectLst/>
           <a:extLst>
             <a:ext uri="{909E8E84-426E-40dd-AFC4-6F175D3DCCD1}">
-              <a14:hiddenFill xmlns:a14="http://schemas.microsoft.com/office/drawing/2010/main">
+              <a14:hiddenFill xmlns:a14="http://schemas.microsoft.com/office/drawing/2010/main" xmlns="">
                 <a:solidFill>
                   <a:schemeClr val="accent1"/>
                 </a:solidFill>
               </a14:hiddenFill>
             </a:ext>
             <a:ext uri="{91240B29-F687-4f45-9708-019B960494DF}">
-              <a14:hiddenLine xmlns:a14="http://schemas.microsoft.com/office/drawing/2010/main" w="9525">
+              <a14:hiddenLine xmlns:a14="http://schemas.microsoft.com/office/drawing/2010/main" xmlns="" w="9525">
                 <a:solidFill>
                   <a:schemeClr val="tx1"/>
                 </a:solidFill>
@@ -13651,7 +13675,7 @@
               </a14:hiddenLine>
             </a:ext>
             <a:ext uri="{AF507438-7753-43e0-B8FC-AC1667EBCBE1}">
-              <a14:hiddenEffects xmlns:a14="http://schemas.microsoft.com/office/drawing/2010/main">
+              <a14:hiddenEffects xmlns:a14="http://schemas.microsoft.com/office/drawing/2010/main" xmlns="">
                 <a:effectLst>
                   <a:outerShdw blurRad="63500" dist="38099" dir="2700000" algn="ctr" rotWithShape="0">
                     <a:schemeClr val="bg2">
@@ -14191,26 +14215,8 @@
                 <a:latin typeface="Arial"/>
                 <a:cs typeface="Arial"/>
               </a:rPr>
-              <a:t>2010	CareWeb deployed </a:t>
-            </a:r>
-            <a:r>
-              <a:rPr lang="en-US" dirty="0" smtClean="0">
-                <a:latin typeface="Arial"/>
-                <a:cs typeface="Arial"/>
-              </a:rPr>
-              <a:t>across</a:t>
-            </a:r>
-            <a:r>
-              <a:rPr lang="en-US" dirty="0" smtClean="0">
-                <a:latin typeface="Arial"/>
-                <a:cs typeface="Arial"/>
-              </a:rPr>
-              <a:t> Indiana HIE</a:t>
-            </a:r>
-            <a:endParaRPr lang="en-US" dirty="0" smtClean="0">
-              <a:latin typeface="Arial"/>
-              <a:cs typeface="Arial"/>
-            </a:endParaRPr>
+              <a:t>2010	CareWeb deployed across Indiana HIE</a:t>
+            </a:r>
           </a:p>
           <a:p>
             <a:pPr marL="285750" indent="-285750" eaLnBrk="0" hangingPunct="0">
@@ -14228,21 +14234,7 @@
                 <a:latin typeface="Arial"/>
                 <a:cs typeface="Arial"/>
               </a:rPr>
-              <a:t>2011	</a:t>
-            </a:r>
-            <a:r>
-              <a:rPr lang="en-US" sz="1800" dirty="0" smtClean="0">
-                <a:latin typeface="Arial"/>
-                <a:cs typeface="Arial"/>
-              </a:rPr>
-              <a:t>Gopher order entry system </a:t>
-            </a:r>
-            <a:r>
-              <a:rPr lang="en-US" sz="1800" dirty="0" smtClean="0">
-                <a:latin typeface="Arial"/>
-                <a:cs typeface="Arial"/>
-              </a:rPr>
-              <a:t>begins a new life as Gopher</a:t>
+              <a:t>2011	Gopher order entry system begins a new life as Gopher</a:t>
             </a:r>
             <a:r>
               <a:rPr lang="en-US" sz="1800" baseline="30000" dirty="0" smtClean="0">
@@ -14287,7 +14279,7 @@
   <p:timing>
     <p:tnLst>
       <p:par>
-        <p:cTn xmlns:p14="http://schemas.microsoft.com/office/powerpoint/2010/main" id="1" dur="indefinite" restart="never" nodeType="tmRoot"/>
+        <p:cTn id="1" dur="indefinite" restart="never" nodeType="tmRoot"/>
       </p:par>
     </p:tnLst>
   </p:timing>
@@ -14411,7 +14403,7 @@
   <p:timing>
     <p:tnLst>
       <p:par>
-        <p:cTn xmlns:p14="http://schemas.microsoft.com/office/powerpoint/2010/main" id="1" dur="indefinite" restart="never" nodeType="tmRoot"/>
+        <p:cTn id="1" dur="indefinite" restart="never" nodeType="tmRoot"/>
       </p:par>
     </p:tnLst>
   </p:timing>
@@ -14558,7 +14550,7 @@
   <p:timing>
     <p:tnLst>
       <p:par>
-        <p:cTn xmlns:p14="http://schemas.microsoft.com/office/powerpoint/2010/main" id="1" dur="indefinite" restart="never" nodeType="tmRoot"/>
+        <p:cTn id="1" dur="indefinite" restart="never" nodeType="tmRoot"/>
       </p:par>
     </p:tnLst>
   </p:timing>
@@ -14696,7 +14688,7 @@
   <p:timing>
     <p:tnLst>
       <p:par>
-        <p:cTn xmlns:p14="http://schemas.microsoft.com/office/powerpoint/2010/main" id="1" dur="indefinite" restart="never" nodeType="tmRoot"/>
+        <p:cTn id="1" dur="indefinite" restart="never" nodeType="tmRoot"/>
       </p:par>
     </p:tnLst>
   </p:timing>
